--- a/Konsolimalli.pptx
+++ b/Konsolimalli.pptx
@@ -10,6 +10,7 @@
     <p:sldId id="259" r:id="rId4"/>
     <p:sldId id="260" r:id="rId5"/>
     <p:sldId id="261" r:id="rId6"/>
+    <p:sldId id="262" r:id="rId7"/>
   </p:sldIdLst>
   <p:sldSz cx="12192000" cy="6858000"/>
   <p:notesSz cx="6858000" cy="9144000"/>
@@ -12721,6 +12722,1044 @@
 </p:sld>
 </file>
 
+<file path=ppt/slides/slide6.xml><?xml version="1.0" encoding="utf-8"?>
+<p:sld xmlns:a="http://schemas.openxmlformats.org/drawingml/2006/main" xmlns:r="http://schemas.openxmlformats.org/officeDocument/2006/relationships" xmlns:p="http://schemas.openxmlformats.org/presentationml/2006/main">
+  <p:cSld>
+    <p:spTree>
+      <p:nvGrpSpPr>
+        <p:cNvPr id="1" name=""/>
+        <p:cNvGrpSpPr/>
+        <p:nvPr/>
+      </p:nvGrpSpPr>
+      <p:grpSpPr>
+        <a:xfrm>
+          <a:off x="0" y="0"/>
+          <a:ext cx="0" cy="0"/>
+          <a:chOff x="0" y="0"/>
+          <a:chExt cx="0" cy="0"/>
+        </a:xfrm>
+      </p:grpSpPr>
+      <p:pic>
+        <p:nvPicPr>
+          <p:cNvPr id="10" name="Kuva 9" descr="Kuva, joka sisältää kohteen kuvio, kangas&#10;&#10;Kuvaus luotu automaattisesti">
+            <a:extLst>
+              <a:ext uri="{FF2B5EF4-FFF2-40B4-BE49-F238E27FC236}">
+                <a16:creationId xmlns:a16="http://schemas.microsoft.com/office/drawing/2014/main" id="{949DC6D9-5D56-3BBA-BDAD-FD2AC97CEA85}"/>
+              </a:ext>
+            </a:extLst>
+          </p:cNvPr>
+          <p:cNvPicPr>
+            <a:picLocks noChangeAspect="1"/>
+          </p:cNvPicPr>
+          <p:nvPr/>
+        </p:nvPicPr>
+        <p:blipFill rotWithShape="1">
+          <a:blip r:embed="rId2">
+            <a:alphaModFix amt="50000"/>
+            <a:duotone>
+              <a:prstClr val="black"/>
+              <a:srgbClr val="FFCCCC">
+                <a:tint val="45000"/>
+                <a:satMod val="400000"/>
+              </a:srgbClr>
+            </a:duotone>
+            <a:extLst>
+              <a:ext uri="{28A0092B-C50C-407E-A947-70E740481C1C}">
+                <a14:useLocalDpi xmlns:a14="http://schemas.microsoft.com/office/drawing/2010/main" val="0"/>
+              </a:ext>
+            </a:extLst>
+          </a:blip>
+          <a:srcRect t="90" b="7317"/>
+          <a:stretch/>
+        </p:blipFill>
+        <p:spPr>
+          <a:xfrm>
+            <a:off x="-15240" y="0"/>
+            <a:ext cx="12207240" cy="6858001"/>
+          </a:xfrm>
+          <a:prstGeom prst="rect">
+            <a:avLst/>
+          </a:prstGeom>
+          <a:ln>
+            <a:solidFill>
+              <a:schemeClr val="bg1">
+                <a:lumMod val="50000"/>
+              </a:schemeClr>
+            </a:solidFill>
+          </a:ln>
+        </p:spPr>
+      </p:pic>
+      <p:sp>
+        <p:nvSpPr>
+          <p:cNvPr id="2" name="Otsikko 1">
+            <a:extLst>
+              <a:ext uri="{FF2B5EF4-FFF2-40B4-BE49-F238E27FC236}">
+                <a16:creationId xmlns:a16="http://schemas.microsoft.com/office/drawing/2014/main" id="{982E12F6-1E72-F011-D0B0-566C0975B6E4}"/>
+              </a:ext>
+            </a:extLst>
+          </p:cNvPr>
+          <p:cNvSpPr>
+            <a:spLocks noGrp="1"/>
+          </p:cNvSpPr>
+          <p:nvPr>
+            <p:ph type="ctrTitle"/>
+          </p:nvPr>
+        </p:nvSpPr>
+        <p:spPr>
+          <a:xfrm>
+            <a:off x="1219200" y="1317751"/>
+            <a:ext cx="9939251" cy="5540249"/>
+          </a:xfrm>
+          <a:solidFill>
+            <a:srgbClr val="F9E0E0"/>
+          </a:solidFill>
+          <a:ln>
+            <a:solidFill>
+              <a:schemeClr val="tx1"/>
+            </a:solidFill>
+          </a:ln>
+          <a:effectLst>
+            <a:outerShdw blurRad="50800" dist="38100" dir="2700000" algn="tl" rotWithShape="0">
+              <a:prstClr val="black">
+                <a:alpha val="40000"/>
+              </a:prstClr>
+            </a:outerShdw>
+          </a:effectLst>
+        </p:spPr>
+        <p:txBody>
+          <a:bodyPr anchor="t">
+            <a:normAutofit/>
+          </a:bodyPr>
+          <a:lstStyle/>
+          <a:p>
+            <a:pPr>
+              <a:lnSpc>
+                <a:spcPct val="150000"/>
+              </a:lnSpc>
+            </a:pPr>
+            <a:br>
+              <a:rPr lang="fi-FI" sz="2400" b="1" dirty="0"/>
+            </a:br>
+            <a:r>
+              <a:rPr lang="fi-FI" sz="2700" b="1" dirty="0">
+                <a:latin typeface="Agency FB" panose="020B0503020202020204" pitchFamily="34" charset="0"/>
+              </a:rPr>
+              <a:t>Tervetuloa käyttämään ampumapäiväkirjaa</a:t>
+            </a:r>
+            <a:br>
+              <a:rPr lang="fi-FI" sz="2400" dirty="0">
+                <a:latin typeface="Agency FB" panose="020B0503020202020204" pitchFamily="34" charset="0"/>
+              </a:rPr>
+            </a:br>
+            <a:br>
+              <a:rPr lang="fi-FI" sz="2400" dirty="0">
+                <a:latin typeface="Agency FB" panose="020B0503020202020204" pitchFamily="34" charset="0"/>
+              </a:rPr>
+            </a:br>
+            <a:r>
+              <a:rPr lang="fi-FI" sz="2400" dirty="0">
+                <a:latin typeface="Agency FB" panose="020B0503020202020204" pitchFamily="34" charset="0"/>
+              </a:rPr>
+              <a:t>Tehdessäsi uutta kirjausta, valitse: ” Aloita tulosten kirjaaminen”.</a:t>
+            </a:r>
+            <a:br>
+              <a:rPr lang="fi-FI" sz="2400" dirty="0">
+                <a:latin typeface="Agency FB" panose="020B0503020202020204" pitchFamily="34" charset="0"/>
+              </a:rPr>
+            </a:br>
+            <a:r>
+              <a:rPr lang="fi-FI" sz="2400" dirty="0">
+                <a:latin typeface="Agency FB" panose="020B0503020202020204" pitchFamily="34" charset="0"/>
+              </a:rPr>
+              <a:t>Tulosten tarkasteluun valitse: ”Näytä tulokset”.</a:t>
+            </a:r>
+            <a:br>
+              <a:rPr lang="fi-FI" sz="5200" dirty="0">
+                <a:solidFill>
+                  <a:srgbClr val="FFFFFF"/>
+                </a:solidFill>
+                <a:latin typeface="Agency FB" panose="020B0503020202020204" pitchFamily="34" charset="0"/>
+              </a:rPr>
+            </a:br>
+            <a:br>
+              <a:rPr lang="fi-FI" sz="5200" dirty="0">
+                <a:solidFill>
+                  <a:srgbClr val="FFFFFF"/>
+                </a:solidFill>
+                <a:latin typeface="Agency FB" panose="020B0503020202020204" pitchFamily="34" charset="0"/>
+              </a:rPr>
+            </a:br>
+            <a:endParaRPr lang="fi-FI" sz="5200" dirty="0">
+              <a:solidFill>
+                <a:srgbClr val="FFFFFF"/>
+              </a:solidFill>
+              <a:latin typeface="Agency FB" panose="020B0503020202020204" pitchFamily="34" charset="0"/>
+            </a:endParaRPr>
+          </a:p>
+        </p:txBody>
+      </p:sp>
+      <p:sp>
+        <p:nvSpPr>
+          <p:cNvPr id="3" name="Alaotsikko 2">
+            <a:extLst>
+              <a:ext uri="{FF2B5EF4-FFF2-40B4-BE49-F238E27FC236}">
+                <a16:creationId xmlns:a16="http://schemas.microsoft.com/office/drawing/2014/main" id="{11BFEA72-B7BB-4F9B-6FAB-49AB74788D6B}"/>
+              </a:ext>
+            </a:extLst>
+          </p:cNvPr>
+          <p:cNvSpPr>
+            <a:spLocks noGrp="1"/>
+          </p:cNvSpPr>
+          <p:nvPr>
+            <p:ph type="subTitle" idx="1"/>
+          </p:nvPr>
+        </p:nvSpPr>
+        <p:spPr>
+          <a:xfrm>
+            <a:off x="9370150" y="464739"/>
+            <a:ext cx="1788301" cy="727009"/>
+          </a:xfrm>
+          <a:solidFill>
+            <a:srgbClr val="F9E0E0"/>
+          </a:solidFill>
+          <a:ln>
+            <a:solidFill>
+              <a:schemeClr val="tx1"/>
+            </a:solidFill>
+          </a:ln>
+          <a:effectLst>
+            <a:outerShdw blurRad="50800" dist="38100" dir="2700000" algn="tl" rotWithShape="0">
+              <a:prstClr val="black">
+                <a:alpha val="40000"/>
+              </a:prstClr>
+            </a:outerShdw>
+          </a:effectLst>
+        </p:spPr>
+        <p:txBody>
+          <a:bodyPr anchor="ctr">
+            <a:normAutofit lnSpcReduction="10000"/>
+          </a:bodyPr>
+          <a:lstStyle/>
+          <a:p>
+            <a:r>
+              <a:rPr lang="en-GB" sz="2000" b="1" dirty="0">
+                <a:latin typeface="Agency FB" panose="020B0503020202020204" pitchFamily="34" charset="0"/>
+              </a:rPr>
+              <a:t>22.2.2024</a:t>
+            </a:r>
+          </a:p>
+          <a:p>
+            <a:r>
+              <a:rPr lang="en-GB" sz="2000" b="1" dirty="0">
+                <a:latin typeface="Agency FB" panose="020B0503020202020204" pitchFamily="34" charset="0"/>
+              </a:rPr>
+              <a:t>12:00</a:t>
+            </a:r>
+            <a:endParaRPr lang="en-FI" sz="2000" b="1" dirty="0">
+              <a:latin typeface="Agency FB" panose="020B0503020202020204" pitchFamily="34" charset="0"/>
+            </a:endParaRPr>
+          </a:p>
+        </p:txBody>
+      </p:sp>
+      <p:sp>
+        <p:nvSpPr>
+          <p:cNvPr id="12" name="Suorakulmio 11">
+            <a:extLst>
+              <a:ext uri="{FF2B5EF4-FFF2-40B4-BE49-F238E27FC236}">
+                <a16:creationId xmlns:a16="http://schemas.microsoft.com/office/drawing/2014/main" id="{12AD256D-0987-D1FF-6ED3-381DB9FAB719}"/>
+              </a:ext>
+            </a:extLst>
+          </p:cNvPr>
+          <p:cNvSpPr/>
+          <p:nvPr/>
+        </p:nvSpPr>
+        <p:spPr>
+          <a:xfrm>
+            <a:off x="-15241" y="-6793"/>
+            <a:ext cx="12204192" cy="411936"/>
+          </a:xfrm>
+          <a:prstGeom prst="rect">
+            <a:avLst/>
+          </a:prstGeom>
+          <a:solidFill>
+            <a:schemeClr val="bg1">
+              <a:lumMod val="85000"/>
+            </a:schemeClr>
+          </a:solidFill>
+        </p:spPr>
+        <p:style>
+          <a:lnRef idx="2">
+            <a:schemeClr val="accent1">
+              <a:shade val="15000"/>
+            </a:schemeClr>
+          </a:lnRef>
+          <a:fillRef idx="1">
+            <a:schemeClr val="accent1"/>
+          </a:fillRef>
+          <a:effectRef idx="0">
+            <a:schemeClr val="accent1"/>
+          </a:effectRef>
+          <a:fontRef idx="minor">
+            <a:schemeClr val="lt1"/>
+          </a:fontRef>
+        </p:style>
+        <p:txBody>
+          <a:bodyPr rtlCol="0" anchor="ctr"/>
+          <a:lstStyle/>
+          <a:p>
+            <a:pPr algn="ctr"/>
+            <a:endParaRPr lang="en-FI" dirty="0"/>
+          </a:p>
+        </p:txBody>
+      </p:sp>
+      <p:cxnSp>
+        <p:nvCxnSpPr>
+          <p:cNvPr id="15" name="Suora yhdysviiva 14">
+            <a:extLst>
+              <a:ext uri="{FF2B5EF4-FFF2-40B4-BE49-F238E27FC236}">
+                <a16:creationId xmlns:a16="http://schemas.microsoft.com/office/drawing/2014/main" id="{A7BDC04F-2E30-519E-D2E5-E1D2AAA22B37}"/>
+              </a:ext>
+            </a:extLst>
+          </p:cNvPr>
+          <p:cNvCxnSpPr>
+            <a:cxnSpLocks/>
+          </p:cNvCxnSpPr>
+          <p:nvPr/>
+        </p:nvCxnSpPr>
+        <p:spPr>
+          <a:xfrm flipV="1">
+            <a:off x="10745337" y="209096"/>
+            <a:ext cx="267023" cy="1"/>
+          </a:xfrm>
+          <a:prstGeom prst="line">
+            <a:avLst/>
+          </a:prstGeom>
+        </p:spPr>
+        <p:style>
+          <a:lnRef idx="1">
+            <a:schemeClr val="dk1"/>
+          </a:lnRef>
+          <a:fillRef idx="0">
+            <a:schemeClr val="dk1"/>
+          </a:fillRef>
+          <a:effectRef idx="0">
+            <a:schemeClr val="dk1"/>
+          </a:effectRef>
+          <a:fontRef idx="minor">
+            <a:schemeClr val="tx1"/>
+          </a:fontRef>
+        </p:style>
+      </p:cxnSp>
+      <p:sp>
+        <p:nvSpPr>
+          <p:cNvPr id="17" name="Suorakulmio 16">
+            <a:extLst>
+              <a:ext uri="{FF2B5EF4-FFF2-40B4-BE49-F238E27FC236}">
+                <a16:creationId xmlns:a16="http://schemas.microsoft.com/office/drawing/2014/main" id="{CF076B10-EDC8-1F15-31BA-84C9FA1CC00D}"/>
+              </a:ext>
+            </a:extLst>
+          </p:cNvPr>
+          <p:cNvSpPr/>
+          <p:nvPr/>
+        </p:nvSpPr>
+        <p:spPr>
+          <a:xfrm>
+            <a:off x="11338727" y="59365"/>
+            <a:ext cx="267023" cy="218416"/>
+          </a:xfrm>
+          <a:prstGeom prst="rect">
+            <a:avLst/>
+          </a:prstGeom>
+          <a:solidFill>
+            <a:schemeClr val="bg1">
+              <a:lumMod val="85000"/>
+            </a:schemeClr>
+          </a:solidFill>
+        </p:spPr>
+        <p:style>
+          <a:lnRef idx="2">
+            <a:schemeClr val="accent1">
+              <a:shade val="15000"/>
+            </a:schemeClr>
+          </a:lnRef>
+          <a:fillRef idx="1">
+            <a:schemeClr val="accent1"/>
+          </a:fillRef>
+          <a:effectRef idx="0">
+            <a:schemeClr val="accent1"/>
+          </a:effectRef>
+          <a:fontRef idx="minor">
+            <a:schemeClr val="lt1"/>
+          </a:fontRef>
+        </p:style>
+        <p:txBody>
+          <a:bodyPr rtlCol="0" anchor="ctr"/>
+          <a:lstStyle/>
+          <a:p>
+            <a:pPr algn="ctr"/>
+            <a:endParaRPr lang="en-FI" dirty="0">
+              <a:ln>
+                <a:solidFill>
+                  <a:schemeClr val="bg2"/>
+                </a:solidFill>
+              </a:ln>
+              <a:solidFill>
+                <a:schemeClr val="bg2">
+                  <a:lumMod val="90000"/>
+                </a:schemeClr>
+              </a:solidFill>
+            </a:endParaRPr>
+          </a:p>
+        </p:txBody>
+      </p:sp>
+      <p:sp>
+        <p:nvSpPr>
+          <p:cNvPr id="18" name="Suorakulmio 17">
+            <a:extLst>
+              <a:ext uri="{FF2B5EF4-FFF2-40B4-BE49-F238E27FC236}">
+                <a16:creationId xmlns:a16="http://schemas.microsoft.com/office/drawing/2014/main" id="{ACB35DA5-4923-2CA0-F9B8-1C92A43F3687}"/>
+              </a:ext>
+            </a:extLst>
+          </p:cNvPr>
+          <p:cNvSpPr/>
+          <p:nvPr/>
+        </p:nvSpPr>
+        <p:spPr>
+          <a:xfrm>
+            <a:off x="11288726" y="123046"/>
+            <a:ext cx="317024" cy="172890"/>
+          </a:xfrm>
+          <a:prstGeom prst="rect">
+            <a:avLst/>
+          </a:prstGeom>
+          <a:solidFill>
+            <a:schemeClr val="bg1">
+              <a:lumMod val="85000"/>
+            </a:schemeClr>
+          </a:solidFill>
+        </p:spPr>
+        <p:style>
+          <a:lnRef idx="2">
+            <a:schemeClr val="accent1">
+              <a:shade val="15000"/>
+            </a:schemeClr>
+          </a:lnRef>
+          <a:fillRef idx="1">
+            <a:schemeClr val="accent1"/>
+          </a:fillRef>
+          <a:effectRef idx="0">
+            <a:schemeClr val="accent1"/>
+          </a:effectRef>
+          <a:fontRef idx="minor">
+            <a:schemeClr val="lt1"/>
+          </a:fontRef>
+        </p:style>
+        <p:txBody>
+          <a:bodyPr rtlCol="0" anchor="ctr"/>
+          <a:lstStyle/>
+          <a:p>
+            <a:pPr algn="ctr"/>
+            <a:endParaRPr lang="en-FI">
+              <a:ln>
+                <a:solidFill>
+                  <a:schemeClr val="bg2"/>
+                </a:solidFill>
+              </a:ln>
+              <a:solidFill>
+                <a:schemeClr val="bg2">
+                  <a:lumMod val="90000"/>
+                </a:schemeClr>
+              </a:solidFill>
+            </a:endParaRPr>
+          </a:p>
+        </p:txBody>
+      </p:sp>
+      <p:cxnSp>
+        <p:nvCxnSpPr>
+          <p:cNvPr id="19" name="Suora yhdysviiva 18">
+            <a:extLst>
+              <a:ext uri="{FF2B5EF4-FFF2-40B4-BE49-F238E27FC236}">
+                <a16:creationId xmlns:a16="http://schemas.microsoft.com/office/drawing/2014/main" id="{FD8ADA27-1030-A390-C849-14EE323B2679}"/>
+              </a:ext>
+            </a:extLst>
+          </p:cNvPr>
+          <p:cNvCxnSpPr>
+            <a:cxnSpLocks/>
+          </p:cNvCxnSpPr>
+          <p:nvPr/>
+        </p:nvCxnSpPr>
+        <p:spPr>
+          <a:xfrm flipV="1">
+            <a:off x="11789087" y="123045"/>
+            <a:ext cx="162121" cy="144451"/>
+          </a:xfrm>
+          <a:prstGeom prst="line">
+            <a:avLst/>
+          </a:prstGeom>
+          <a:ln w="19050"/>
+        </p:spPr>
+        <p:style>
+          <a:lnRef idx="1">
+            <a:schemeClr val="dk1"/>
+          </a:lnRef>
+          <a:fillRef idx="0">
+            <a:schemeClr val="dk1"/>
+          </a:fillRef>
+          <a:effectRef idx="0">
+            <a:schemeClr val="dk1"/>
+          </a:effectRef>
+          <a:fontRef idx="minor">
+            <a:schemeClr val="tx1"/>
+          </a:fontRef>
+        </p:style>
+      </p:cxnSp>
+      <p:cxnSp>
+        <p:nvCxnSpPr>
+          <p:cNvPr id="21" name="Suora yhdysviiva 20">
+            <a:extLst>
+              <a:ext uri="{FF2B5EF4-FFF2-40B4-BE49-F238E27FC236}">
+                <a16:creationId xmlns:a16="http://schemas.microsoft.com/office/drawing/2014/main" id="{2AF5BB30-3152-4A7C-5438-8DA25B6BBA08}"/>
+              </a:ext>
+            </a:extLst>
+          </p:cNvPr>
+          <p:cNvCxnSpPr>
+            <a:cxnSpLocks/>
+          </p:cNvCxnSpPr>
+          <p:nvPr/>
+        </p:nvCxnSpPr>
+        <p:spPr>
+          <a:xfrm>
+            <a:off x="11786038" y="123046"/>
+            <a:ext cx="180409" cy="151243"/>
+          </a:xfrm>
+          <a:prstGeom prst="line">
+            <a:avLst/>
+          </a:prstGeom>
+          <a:ln w="19050"/>
+        </p:spPr>
+        <p:style>
+          <a:lnRef idx="1">
+            <a:schemeClr val="dk1"/>
+          </a:lnRef>
+          <a:fillRef idx="0">
+            <a:schemeClr val="dk1"/>
+          </a:fillRef>
+          <a:effectRef idx="0">
+            <a:schemeClr val="dk1"/>
+          </a:effectRef>
+          <a:fontRef idx="minor">
+            <a:schemeClr val="tx1"/>
+          </a:fontRef>
+        </p:style>
+      </p:cxnSp>
+      <p:sp>
+        <p:nvSpPr>
+          <p:cNvPr id="38" name="Alaotsikko 2">
+            <a:extLst>
+              <a:ext uri="{FF2B5EF4-FFF2-40B4-BE49-F238E27FC236}">
+                <a16:creationId xmlns:a16="http://schemas.microsoft.com/office/drawing/2014/main" id="{646AA237-63B1-2235-C01D-B032ACF68692}"/>
+              </a:ext>
+            </a:extLst>
+          </p:cNvPr>
+          <p:cNvSpPr txBox="1">
+            <a:spLocks/>
+          </p:cNvSpPr>
+          <p:nvPr/>
+        </p:nvSpPr>
+        <p:spPr>
+          <a:xfrm>
+            <a:off x="1219200" y="464738"/>
+            <a:ext cx="1788301" cy="727009"/>
+          </a:xfrm>
+          <a:prstGeom prst="rect">
+            <a:avLst/>
+          </a:prstGeom>
+          <a:solidFill>
+            <a:srgbClr val="F9E0E0"/>
+          </a:solidFill>
+          <a:ln>
+            <a:solidFill>
+              <a:schemeClr val="tx1"/>
+            </a:solidFill>
+          </a:ln>
+          <a:effectLst>
+            <a:outerShdw blurRad="50800" dist="38100" dir="2700000" algn="tl" rotWithShape="0">
+              <a:prstClr val="black">
+                <a:alpha val="40000"/>
+              </a:prstClr>
+            </a:outerShdw>
+          </a:effectLst>
+        </p:spPr>
+        <p:txBody>
+          <a:bodyPr vert="horz" lIns="91440" tIns="45720" rIns="91440" bIns="45720" rtlCol="0" anchor="ctr">
+            <a:normAutofit/>
+          </a:bodyPr>
+          <a:lstStyle>
+            <a:lvl1pPr marL="0" indent="0" algn="ctr" defTabSz="914400" rtl="0" eaLnBrk="1" latinLnBrk="0" hangingPunct="1">
+              <a:lnSpc>
+                <a:spcPct val="90000"/>
+              </a:lnSpc>
+              <a:spcBef>
+                <a:spcPts val="1000"/>
+              </a:spcBef>
+              <a:buFont typeface="Arial" panose="020B0604020202020204" pitchFamily="34" charset="0"/>
+              <a:buNone/>
+              <a:defRPr sz="2400" kern="1200">
+                <a:solidFill>
+                  <a:schemeClr val="tx1"/>
+                </a:solidFill>
+                <a:latin typeface="+mn-lt"/>
+                <a:ea typeface="+mn-ea"/>
+                <a:cs typeface="+mn-cs"/>
+              </a:defRPr>
+            </a:lvl1pPr>
+            <a:lvl2pPr marL="457200" indent="0" algn="ctr" defTabSz="914400" rtl="0" eaLnBrk="1" latinLnBrk="0" hangingPunct="1">
+              <a:lnSpc>
+                <a:spcPct val="90000"/>
+              </a:lnSpc>
+              <a:spcBef>
+                <a:spcPts val="500"/>
+              </a:spcBef>
+              <a:buFont typeface="Arial" panose="020B0604020202020204" pitchFamily="34" charset="0"/>
+              <a:buNone/>
+              <a:defRPr sz="2000" kern="1200">
+                <a:solidFill>
+                  <a:schemeClr val="tx1"/>
+                </a:solidFill>
+                <a:latin typeface="+mn-lt"/>
+                <a:ea typeface="+mn-ea"/>
+                <a:cs typeface="+mn-cs"/>
+              </a:defRPr>
+            </a:lvl2pPr>
+            <a:lvl3pPr marL="914400" indent="0" algn="ctr" defTabSz="914400" rtl="0" eaLnBrk="1" latinLnBrk="0" hangingPunct="1">
+              <a:lnSpc>
+                <a:spcPct val="90000"/>
+              </a:lnSpc>
+              <a:spcBef>
+                <a:spcPts val="500"/>
+              </a:spcBef>
+              <a:buFont typeface="Arial" panose="020B0604020202020204" pitchFamily="34" charset="0"/>
+              <a:buNone/>
+              <a:defRPr sz="1800" kern="1200">
+                <a:solidFill>
+                  <a:schemeClr val="tx1"/>
+                </a:solidFill>
+                <a:latin typeface="+mn-lt"/>
+                <a:ea typeface="+mn-ea"/>
+                <a:cs typeface="+mn-cs"/>
+              </a:defRPr>
+            </a:lvl3pPr>
+            <a:lvl4pPr marL="1371600" indent="0" algn="ctr" defTabSz="914400" rtl="0" eaLnBrk="1" latinLnBrk="0" hangingPunct="1">
+              <a:lnSpc>
+                <a:spcPct val="90000"/>
+              </a:lnSpc>
+              <a:spcBef>
+                <a:spcPts val="500"/>
+              </a:spcBef>
+              <a:buFont typeface="Arial" panose="020B0604020202020204" pitchFamily="34" charset="0"/>
+              <a:buNone/>
+              <a:defRPr sz="1600" kern="1200">
+                <a:solidFill>
+                  <a:schemeClr val="tx1"/>
+                </a:solidFill>
+                <a:latin typeface="+mn-lt"/>
+                <a:ea typeface="+mn-ea"/>
+                <a:cs typeface="+mn-cs"/>
+              </a:defRPr>
+            </a:lvl4pPr>
+            <a:lvl5pPr marL="1828800" indent="0" algn="ctr" defTabSz="914400" rtl="0" eaLnBrk="1" latinLnBrk="0" hangingPunct="1">
+              <a:lnSpc>
+                <a:spcPct val="90000"/>
+              </a:lnSpc>
+              <a:spcBef>
+                <a:spcPts val="500"/>
+              </a:spcBef>
+              <a:buFont typeface="Arial" panose="020B0604020202020204" pitchFamily="34" charset="0"/>
+              <a:buNone/>
+              <a:defRPr sz="1600" kern="1200">
+                <a:solidFill>
+                  <a:schemeClr val="tx1"/>
+                </a:solidFill>
+                <a:latin typeface="+mn-lt"/>
+                <a:ea typeface="+mn-ea"/>
+                <a:cs typeface="+mn-cs"/>
+              </a:defRPr>
+            </a:lvl5pPr>
+            <a:lvl6pPr marL="2286000" indent="0" algn="ctr" defTabSz="914400" rtl="0" eaLnBrk="1" latinLnBrk="0" hangingPunct="1">
+              <a:lnSpc>
+                <a:spcPct val="90000"/>
+              </a:lnSpc>
+              <a:spcBef>
+                <a:spcPts val="500"/>
+              </a:spcBef>
+              <a:buFont typeface="Arial" panose="020B0604020202020204" pitchFamily="34" charset="0"/>
+              <a:buNone/>
+              <a:defRPr sz="1600" kern="1200">
+                <a:solidFill>
+                  <a:schemeClr val="tx1"/>
+                </a:solidFill>
+                <a:latin typeface="+mn-lt"/>
+                <a:ea typeface="+mn-ea"/>
+                <a:cs typeface="+mn-cs"/>
+              </a:defRPr>
+            </a:lvl6pPr>
+            <a:lvl7pPr marL="2743200" indent="0" algn="ctr" defTabSz="914400" rtl="0" eaLnBrk="1" latinLnBrk="0" hangingPunct="1">
+              <a:lnSpc>
+                <a:spcPct val="90000"/>
+              </a:lnSpc>
+              <a:spcBef>
+                <a:spcPts val="500"/>
+              </a:spcBef>
+              <a:buFont typeface="Arial" panose="020B0604020202020204" pitchFamily="34" charset="0"/>
+              <a:buNone/>
+              <a:defRPr sz="1600" kern="1200">
+                <a:solidFill>
+                  <a:schemeClr val="tx1"/>
+                </a:solidFill>
+                <a:latin typeface="+mn-lt"/>
+                <a:ea typeface="+mn-ea"/>
+                <a:cs typeface="+mn-cs"/>
+              </a:defRPr>
+            </a:lvl7pPr>
+            <a:lvl8pPr marL="3200400" indent="0" algn="ctr" defTabSz="914400" rtl="0" eaLnBrk="1" latinLnBrk="0" hangingPunct="1">
+              <a:lnSpc>
+                <a:spcPct val="90000"/>
+              </a:lnSpc>
+              <a:spcBef>
+                <a:spcPts val="500"/>
+              </a:spcBef>
+              <a:buFont typeface="Arial" panose="020B0604020202020204" pitchFamily="34" charset="0"/>
+              <a:buNone/>
+              <a:defRPr sz="1600" kern="1200">
+                <a:solidFill>
+                  <a:schemeClr val="tx1"/>
+                </a:solidFill>
+                <a:latin typeface="+mn-lt"/>
+                <a:ea typeface="+mn-ea"/>
+                <a:cs typeface="+mn-cs"/>
+              </a:defRPr>
+            </a:lvl8pPr>
+            <a:lvl9pPr marL="3657600" indent="0" algn="ctr" defTabSz="914400" rtl="0" eaLnBrk="1" latinLnBrk="0" hangingPunct="1">
+              <a:lnSpc>
+                <a:spcPct val="90000"/>
+              </a:lnSpc>
+              <a:spcBef>
+                <a:spcPts val="500"/>
+              </a:spcBef>
+              <a:buFont typeface="Arial" panose="020B0604020202020204" pitchFamily="34" charset="0"/>
+              <a:buNone/>
+              <a:defRPr sz="1600" kern="1200">
+                <a:solidFill>
+                  <a:schemeClr val="tx1"/>
+                </a:solidFill>
+                <a:latin typeface="+mn-lt"/>
+                <a:ea typeface="+mn-ea"/>
+                <a:cs typeface="+mn-cs"/>
+              </a:defRPr>
+            </a:lvl9pPr>
+          </a:lstStyle>
+          <a:p>
+            <a:r>
+              <a:rPr lang="en-GB" sz="2000" b="1" dirty="0">
+                <a:latin typeface="Agency FB" panose="020B0503020202020204" pitchFamily="34" charset="0"/>
+              </a:rPr>
+              <a:t>Aloita tulosten kirjaaminen</a:t>
+            </a:r>
+            <a:endParaRPr lang="en-FI" sz="2000" b="1" dirty="0">
+              <a:latin typeface="Agency FB" panose="020B0503020202020204" pitchFamily="34" charset="0"/>
+            </a:endParaRPr>
+          </a:p>
+        </p:txBody>
+      </p:sp>
+      <p:sp>
+        <p:nvSpPr>
+          <p:cNvPr id="39" name="Alaotsikko 2">
+            <a:extLst>
+              <a:ext uri="{FF2B5EF4-FFF2-40B4-BE49-F238E27FC236}">
+                <a16:creationId xmlns:a16="http://schemas.microsoft.com/office/drawing/2014/main" id="{4D5155A6-B198-BC50-4358-86D133D42F91}"/>
+              </a:ext>
+            </a:extLst>
+          </p:cNvPr>
+          <p:cNvSpPr txBox="1">
+            <a:spLocks/>
+          </p:cNvSpPr>
+          <p:nvPr/>
+        </p:nvSpPr>
+        <p:spPr>
+          <a:xfrm>
+            <a:off x="3595243" y="464738"/>
+            <a:ext cx="1788301" cy="727009"/>
+          </a:xfrm>
+          <a:prstGeom prst="rect">
+            <a:avLst/>
+          </a:prstGeom>
+          <a:solidFill>
+            <a:srgbClr val="F9E0E0"/>
+          </a:solidFill>
+          <a:ln>
+            <a:solidFill>
+              <a:schemeClr val="tx1"/>
+            </a:solidFill>
+          </a:ln>
+          <a:effectLst>
+            <a:outerShdw blurRad="50800" dist="38100" dir="2700000" algn="tl" rotWithShape="0">
+              <a:prstClr val="black">
+                <a:alpha val="40000"/>
+              </a:prstClr>
+            </a:outerShdw>
+          </a:effectLst>
+        </p:spPr>
+        <p:txBody>
+          <a:bodyPr vert="horz" lIns="91440" tIns="45720" rIns="91440" bIns="45720" rtlCol="0" anchor="ctr">
+            <a:normAutofit/>
+          </a:bodyPr>
+          <a:lstStyle>
+            <a:lvl1pPr marL="0" indent="0" algn="ctr" defTabSz="914400" rtl="0" eaLnBrk="1" latinLnBrk="0" hangingPunct="1">
+              <a:lnSpc>
+                <a:spcPct val="90000"/>
+              </a:lnSpc>
+              <a:spcBef>
+                <a:spcPts val="1000"/>
+              </a:spcBef>
+              <a:buFont typeface="Arial" panose="020B0604020202020204" pitchFamily="34" charset="0"/>
+              <a:buNone/>
+              <a:defRPr sz="2400" kern="1200">
+                <a:solidFill>
+                  <a:schemeClr val="tx1"/>
+                </a:solidFill>
+                <a:latin typeface="+mn-lt"/>
+                <a:ea typeface="+mn-ea"/>
+                <a:cs typeface="+mn-cs"/>
+              </a:defRPr>
+            </a:lvl1pPr>
+            <a:lvl2pPr marL="457200" indent="0" algn="ctr" defTabSz="914400" rtl="0" eaLnBrk="1" latinLnBrk="0" hangingPunct="1">
+              <a:lnSpc>
+                <a:spcPct val="90000"/>
+              </a:lnSpc>
+              <a:spcBef>
+                <a:spcPts val="500"/>
+              </a:spcBef>
+              <a:buFont typeface="Arial" panose="020B0604020202020204" pitchFamily="34" charset="0"/>
+              <a:buNone/>
+              <a:defRPr sz="2000" kern="1200">
+                <a:solidFill>
+                  <a:schemeClr val="tx1"/>
+                </a:solidFill>
+                <a:latin typeface="+mn-lt"/>
+                <a:ea typeface="+mn-ea"/>
+                <a:cs typeface="+mn-cs"/>
+              </a:defRPr>
+            </a:lvl2pPr>
+            <a:lvl3pPr marL="914400" indent="0" algn="ctr" defTabSz="914400" rtl="0" eaLnBrk="1" latinLnBrk="0" hangingPunct="1">
+              <a:lnSpc>
+                <a:spcPct val="90000"/>
+              </a:lnSpc>
+              <a:spcBef>
+                <a:spcPts val="500"/>
+              </a:spcBef>
+              <a:buFont typeface="Arial" panose="020B0604020202020204" pitchFamily="34" charset="0"/>
+              <a:buNone/>
+              <a:defRPr sz="1800" kern="1200">
+                <a:solidFill>
+                  <a:schemeClr val="tx1"/>
+                </a:solidFill>
+                <a:latin typeface="+mn-lt"/>
+                <a:ea typeface="+mn-ea"/>
+                <a:cs typeface="+mn-cs"/>
+              </a:defRPr>
+            </a:lvl3pPr>
+            <a:lvl4pPr marL="1371600" indent="0" algn="ctr" defTabSz="914400" rtl="0" eaLnBrk="1" latinLnBrk="0" hangingPunct="1">
+              <a:lnSpc>
+                <a:spcPct val="90000"/>
+              </a:lnSpc>
+              <a:spcBef>
+                <a:spcPts val="500"/>
+              </a:spcBef>
+              <a:buFont typeface="Arial" panose="020B0604020202020204" pitchFamily="34" charset="0"/>
+              <a:buNone/>
+              <a:defRPr sz="1600" kern="1200">
+                <a:solidFill>
+                  <a:schemeClr val="tx1"/>
+                </a:solidFill>
+                <a:latin typeface="+mn-lt"/>
+                <a:ea typeface="+mn-ea"/>
+                <a:cs typeface="+mn-cs"/>
+              </a:defRPr>
+            </a:lvl4pPr>
+            <a:lvl5pPr marL="1828800" indent="0" algn="ctr" defTabSz="914400" rtl="0" eaLnBrk="1" latinLnBrk="0" hangingPunct="1">
+              <a:lnSpc>
+                <a:spcPct val="90000"/>
+              </a:lnSpc>
+              <a:spcBef>
+                <a:spcPts val="500"/>
+              </a:spcBef>
+              <a:buFont typeface="Arial" panose="020B0604020202020204" pitchFamily="34" charset="0"/>
+              <a:buNone/>
+              <a:defRPr sz="1600" kern="1200">
+                <a:solidFill>
+                  <a:schemeClr val="tx1"/>
+                </a:solidFill>
+                <a:latin typeface="+mn-lt"/>
+                <a:ea typeface="+mn-ea"/>
+                <a:cs typeface="+mn-cs"/>
+              </a:defRPr>
+            </a:lvl5pPr>
+            <a:lvl6pPr marL="2286000" indent="0" algn="ctr" defTabSz="914400" rtl="0" eaLnBrk="1" latinLnBrk="0" hangingPunct="1">
+              <a:lnSpc>
+                <a:spcPct val="90000"/>
+              </a:lnSpc>
+              <a:spcBef>
+                <a:spcPts val="500"/>
+              </a:spcBef>
+              <a:buFont typeface="Arial" panose="020B0604020202020204" pitchFamily="34" charset="0"/>
+              <a:buNone/>
+              <a:defRPr sz="1600" kern="1200">
+                <a:solidFill>
+                  <a:schemeClr val="tx1"/>
+                </a:solidFill>
+                <a:latin typeface="+mn-lt"/>
+                <a:ea typeface="+mn-ea"/>
+                <a:cs typeface="+mn-cs"/>
+              </a:defRPr>
+            </a:lvl6pPr>
+            <a:lvl7pPr marL="2743200" indent="0" algn="ctr" defTabSz="914400" rtl="0" eaLnBrk="1" latinLnBrk="0" hangingPunct="1">
+              <a:lnSpc>
+                <a:spcPct val="90000"/>
+              </a:lnSpc>
+              <a:spcBef>
+                <a:spcPts val="500"/>
+              </a:spcBef>
+              <a:buFont typeface="Arial" panose="020B0604020202020204" pitchFamily="34" charset="0"/>
+              <a:buNone/>
+              <a:defRPr sz="1600" kern="1200">
+                <a:solidFill>
+                  <a:schemeClr val="tx1"/>
+                </a:solidFill>
+                <a:latin typeface="+mn-lt"/>
+                <a:ea typeface="+mn-ea"/>
+                <a:cs typeface="+mn-cs"/>
+              </a:defRPr>
+            </a:lvl7pPr>
+            <a:lvl8pPr marL="3200400" indent="0" algn="ctr" defTabSz="914400" rtl="0" eaLnBrk="1" latinLnBrk="0" hangingPunct="1">
+              <a:lnSpc>
+                <a:spcPct val="90000"/>
+              </a:lnSpc>
+              <a:spcBef>
+                <a:spcPts val="500"/>
+              </a:spcBef>
+              <a:buFont typeface="Arial" panose="020B0604020202020204" pitchFamily="34" charset="0"/>
+              <a:buNone/>
+              <a:defRPr sz="1600" kern="1200">
+                <a:solidFill>
+                  <a:schemeClr val="tx1"/>
+                </a:solidFill>
+                <a:latin typeface="+mn-lt"/>
+                <a:ea typeface="+mn-ea"/>
+                <a:cs typeface="+mn-cs"/>
+              </a:defRPr>
+            </a:lvl8pPr>
+            <a:lvl9pPr marL="3657600" indent="0" algn="ctr" defTabSz="914400" rtl="0" eaLnBrk="1" latinLnBrk="0" hangingPunct="1">
+              <a:lnSpc>
+                <a:spcPct val="90000"/>
+              </a:lnSpc>
+              <a:spcBef>
+                <a:spcPts val="500"/>
+              </a:spcBef>
+              <a:buFont typeface="Arial" panose="020B0604020202020204" pitchFamily="34" charset="0"/>
+              <a:buNone/>
+              <a:defRPr sz="1600" kern="1200">
+                <a:solidFill>
+                  <a:schemeClr val="tx1"/>
+                </a:solidFill>
+                <a:latin typeface="+mn-lt"/>
+                <a:ea typeface="+mn-ea"/>
+                <a:cs typeface="+mn-cs"/>
+              </a:defRPr>
+            </a:lvl9pPr>
+          </a:lstStyle>
+          <a:p>
+            <a:r>
+              <a:rPr lang="en-GB" sz="2000" b="1" dirty="0">
+                <a:latin typeface="Agency FB" panose="020B0503020202020204" pitchFamily="34" charset="0"/>
+              </a:rPr>
+              <a:t>Näytä tulokset</a:t>
+            </a:r>
+            <a:endParaRPr lang="en-FI" sz="2000" b="1" dirty="0">
+              <a:latin typeface="Agency FB" panose="020B0503020202020204" pitchFamily="34" charset="0"/>
+            </a:endParaRPr>
+          </a:p>
+        </p:txBody>
+      </p:sp>
+      <p:sp>
+        <p:nvSpPr>
+          <p:cNvPr id="4" name="Suorakulmio 3">
+            <a:extLst>
+              <a:ext uri="{FF2B5EF4-FFF2-40B4-BE49-F238E27FC236}">
+                <a16:creationId xmlns:a16="http://schemas.microsoft.com/office/drawing/2014/main" id="{3C1C85E2-AC10-B934-51B5-D7F45F2A0418}"/>
+              </a:ext>
+            </a:extLst>
+          </p:cNvPr>
+          <p:cNvSpPr/>
+          <p:nvPr/>
+        </p:nvSpPr>
+        <p:spPr>
+          <a:xfrm>
+            <a:off x="-37379" y="-8549"/>
+            <a:ext cx="4255696" cy="411936"/>
+          </a:xfrm>
+          <a:prstGeom prst="rect">
+            <a:avLst/>
+          </a:prstGeom>
+          <a:solidFill>
+            <a:schemeClr val="tx1"/>
+          </a:solidFill>
+          <a:ln>
+            <a:solidFill>
+              <a:schemeClr val="tx1"/>
+            </a:solidFill>
+          </a:ln>
+        </p:spPr>
+        <p:style>
+          <a:lnRef idx="2">
+            <a:schemeClr val="accent1">
+              <a:shade val="15000"/>
+            </a:schemeClr>
+          </a:lnRef>
+          <a:fillRef idx="1">
+            <a:schemeClr val="accent1"/>
+          </a:fillRef>
+          <a:effectRef idx="0">
+            <a:schemeClr val="accent1"/>
+          </a:effectRef>
+          <a:fontRef idx="minor">
+            <a:schemeClr val="lt1"/>
+          </a:fontRef>
+        </p:style>
+        <p:txBody>
+          <a:bodyPr rtlCol="0" anchor="ctr"/>
+          <a:lstStyle/>
+          <a:p>
+            <a:pPr algn="ctr"/>
+            <a:r>
+              <a:rPr lang="fi-FI" dirty="0"/>
+              <a:t>Vaaleanpunainen versio tosimiehiä varten    </a:t>
+            </a:r>
+          </a:p>
+        </p:txBody>
+      </p:sp>
+    </p:spTree>
+    <p:extLst>
+      <p:ext uri="{BB962C8B-B14F-4D97-AF65-F5344CB8AC3E}">
+        <p14:creationId xmlns:p14="http://schemas.microsoft.com/office/powerpoint/2010/main" val="3337152641"/>
+      </p:ext>
+    </p:extLst>
+  </p:cSld>
+  <p:clrMapOvr>
+    <a:masterClrMapping/>
+  </p:clrMapOvr>
+</p:sld>
+</file>
+
 <file path=ppt/theme/theme1.xml><?xml version="1.0" encoding="utf-8"?>
 <a:theme xmlns:a="http://schemas.openxmlformats.org/drawingml/2006/main" name="Office-teema">
   <a:themeElements>

--- a/Konsolimalli.pptx
+++ b/Konsolimalli.pptx
@@ -266,7 +266,7 @@
           <a:p>
             <a:fld id="{76A827CD-4CFA-4934-9E87-30168D0AF433}" type="datetimeFigureOut">
               <a:rPr lang="en-FI" smtClean="0"/>
-              <a:t>22/02/2024</a:t>
+              <a:t>02/26/2024</a:t>
             </a:fld>
             <a:endParaRPr lang="en-FI"/>
           </a:p>
@@ -466,7 +466,7 @@
           <a:p>
             <a:fld id="{76A827CD-4CFA-4934-9E87-30168D0AF433}" type="datetimeFigureOut">
               <a:rPr lang="en-FI" smtClean="0"/>
-              <a:t>22/02/2024</a:t>
+              <a:t>02/26/2024</a:t>
             </a:fld>
             <a:endParaRPr lang="en-FI"/>
           </a:p>
@@ -676,7 +676,7 @@
           <a:p>
             <a:fld id="{76A827CD-4CFA-4934-9E87-30168D0AF433}" type="datetimeFigureOut">
               <a:rPr lang="en-FI" smtClean="0"/>
-              <a:t>22/02/2024</a:t>
+              <a:t>02/26/2024</a:t>
             </a:fld>
             <a:endParaRPr lang="en-FI"/>
           </a:p>
@@ -876,7 +876,7 @@
           <a:p>
             <a:fld id="{76A827CD-4CFA-4934-9E87-30168D0AF433}" type="datetimeFigureOut">
               <a:rPr lang="en-FI" smtClean="0"/>
-              <a:t>22/02/2024</a:t>
+              <a:t>02/26/2024</a:t>
             </a:fld>
             <a:endParaRPr lang="en-FI"/>
           </a:p>
@@ -1152,7 +1152,7 @@
           <a:p>
             <a:fld id="{76A827CD-4CFA-4934-9E87-30168D0AF433}" type="datetimeFigureOut">
               <a:rPr lang="en-FI" smtClean="0"/>
-              <a:t>22/02/2024</a:t>
+              <a:t>02/26/2024</a:t>
             </a:fld>
             <a:endParaRPr lang="en-FI"/>
           </a:p>
@@ -1420,7 +1420,7 @@
           <a:p>
             <a:fld id="{76A827CD-4CFA-4934-9E87-30168D0AF433}" type="datetimeFigureOut">
               <a:rPr lang="en-FI" smtClean="0"/>
-              <a:t>22/02/2024</a:t>
+              <a:t>02/26/2024</a:t>
             </a:fld>
             <a:endParaRPr lang="en-FI"/>
           </a:p>
@@ -1835,7 +1835,7 @@
           <a:p>
             <a:fld id="{76A827CD-4CFA-4934-9E87-30168D0AF433}" type="datetimeFigureOut">
               <a:rPr lang="en-FI" smtClean="0"/>
-              <a:t>22/02/2024</a:t>
+              <a:t>02/26/2024</a:t>
             </a:fld>
             <a:endParaRPr lang="en-FI"/>
           </a:p>
@@ -1977,7 +1977,7 @@
           <a:p>
             <a:fld id="{76A827CD-4CFA-4934-9E87-30168D0AF433}" type="datetimeFigureOut">
               <a:rPr lang="en-FI" smtClean="0"/>
-              <a:t>22/02/2024</a:t>
+              <a:t>02/26/2024</a:t>
             </a:fld>
             <a:endParaRPr lang="en-FI"/>
           </a:p>
@@ -2090,7 +2090,7 @@
           <a:p>
             <a:fld id="{76A827CD-4CFA-4934-9E87-30168D0AF433}" type="datetimeFigureOut">
               <a:rPr lang="en-FI" smtClean="0"/>
-              <a:t>22/02/2024</a:t>
+              <a:t>02/26/2024</a:t>
             </a:fld>
             <a:endParaRPr lang="en-FI"/>
           </a:p>
@@ -2403,7 +2403,7 @@
           <a:p>
             <a:fld id="{76A827CD-4CFA-4934-9E87-30168D0AF433}" type="datetimeFigureOut">
               <a:rPr lang="en-FI" smtClean="0"/>
-              <a:t>22/02/2024</a:t>
+              <a:t>02/26/2024</a:t>
             </a:fld>
             <a:endParaRPr lang="en-FI"/>
           </a:p>
@@ -2692,7 +2692,7 @@
           <a:p>
             <a:fld id="{76A827CD-4CFA-4934-9E87-30168D0AF433}" type="datetimeFigureOut">
               <a:rPr lang="en-FI" smtClean="0"/>
-              <a:t>22/02/2024</a:t>
+              <a:t>02/26/2024</a:t>
             </a:fld>
             <a:endParaRPr lang="en-FI"/>
           </a:p>
@@ -2935,7 +2935,7 @@
           <a:p>
             <a:fld id="{76A827CD-4CFA-4934-9E87-30168D0AF433}" type="datetimeFigureOut">
               <a:rPr lang="en-FI" smtClean="0"/>
-              <a:t>22/02/2024</a:t>
+              <a:t>02/26/2024</a:t>
             </a:fld>
             <a:endParaRPr lang="en-FI"/>
           </a:p>
@@ -6032,7 +6032,7 @@
         </p:nvSpPr>
         <p:spPr>
           <a:xfrm>
-            <a:off x="-15241" y="1317625"/>
+            <a:off x="-15242" y="1240271"/>
             <a:ext cx="1355154" cy="786606"/>
           </a:xfrm>
           <a:prstGeom prst="rect">
